--- a/BSCSE/[251] Spring 2025/DSA-II_CSE 2217/Slides/01-Analyzing Algorithms.pptx
+++ b/BSCSE/[251] Spring 2025/DSA-II_CSE 2217/Slides/01-Analyzing Algorithms.pptx
@@ -348,7 +348,7 @@
       </p15:notesGuideLst>
     </p:ext>
     <p:ext uri="GoogleSlidesCustomDataVersion2">
-      <go:slidesCustomData xmlns:go="http://customooxmlschemas.google.com/" xmlns:ahyp="http://schemas.microsoft.com/office/drawing/2018/hyperlinkcolor" xmlns:p15="http://schemas.microsoft.com/office/powerpoint/2012/main" xmlns:p14="http://schemas.microsoft.com/office/powerpoint/2010/main" xmlns:com="http://schemas.openxmlformats.org/drawingml/2006/compatibility" xmlns:pvml="urn:schemas-microsoft-com:office:powerpoint" xmlns:v="urn:schemas-microsoft-com:vml" xmlns:o="urn:schemas-microsoft-com:office:office" xmlns:dgm="http://schemas.openxmlformats.org/drawingml/2006/diagram" xmlns:c="http://schemas.openxmlformats.org/drawingml/2006/chart" xmlns:mv="urn:schemas-microsoft-com:mac:vml" xmlns:mc="http://schemas.openxmlformats.org/markup-compatibility/2006" xmlns="" r:id="rId64" roundtripDataSignature="AMtx7mgh8B77eTEF7+caI6hUllNe4TOYyg=="/>
+      <go:slidesCustomData xmlns="" xmlns:mc="http://schemas.openxmlformats.org/markup-compatibility/2006" xmlns:mv="urn:schemas-microsoft-com:mac:vml" xmlns:c="http://schemas.openxmlformats.org/drawingml/2006/chart" xmlns:dgm="http://schemas.openxmlformats.org/drawingml/2006/diagram" xmlns:o="urn:schemas-microsoft-com:office:office" xmlns:v="urn:schemas-microsoft-com:vml" xmlns:pvml="urn:schemas-microsoft-com:office:powerpoint" xmlns:com="http://schemas.openxmlformats.org/drawingml/2006/compatibility" xmlns:p14="http://schemas.microsoft.com/office/powerpoint/2010/main" xmlns:p15="http://schemas.microsoft.com/office/powerpoint/2012/main" xmlns:ahyp="http://schemas.microsoft.com/office/drawing/2018/hyperlinkcolor" xmlns:go="http://customooxmlschemas.google.com/" r:id="rId64" roundtripDataSignature="AMtx7mgh8B77eTEF7+caI6hUllNe4TOYyg=="/>
     </p:ext>
   </p:extLst>
 </p:presentation>
@@ -14990,8 +14990,8 @@
           </a:p>
         </p:txBody>
       </p:sp>
-      <mc:AlternateContent xmlns:mc="http://schemas.openxmlformats.org/markup-compatibility/2006">
-        <mc:Choice xmlns:a14="http://schemas.microsoft.com/office/drawing/2010/main" Requires="a14">
+      <mc:AlternateContent xmlns:mc="http://schemas.openxmlformats.org/markup-compatibility/2006" xmlns:a14="http://schemas.microsoft.com/office/drawing/2010/main">
+        <mc:Choice Requires="a14">
           <p:sp>
             <p:nvSpPr>
               <p:cNvPr id="194" name="Google Shape;194;p15"/>
@@ -15604,7 +15604,7 @@
             </p:txBody>
           </p:sp>
         </mc:Choice>
-        <mc:Fallback>
+        <mc:Fallback xmlns="">
           <p:sp>
             <p:nvSpPr>
               <p:cNvPr id="194" name="Google Shape;194;p15"/>
@@ -33622,8 +33622,8 @@
           </a:p>
         </p:txBody>
       </p:sp>
-      <mc:AlternateContent xmlns:mc="http://schemas.openxmlformats.org/markup-compatibility/2006">
-        <mc:Choice xmlns:a14="http://schemas.microsoft.com/office/drawing/2010/main" Requires="a14">
+      <mc:AlternateContent xmlns:mc="http://schemas.openxmlformats.org/markup-compatibility/2006" xmlns:a14="http://schemas.microsoft.com/office/drawing/2010/main">
+        <mc:Choice Requires="a14">
           <p:sp>
             <p:nvSpPr>
               <p:cNvPr id="371" name="Google Shape;371;p31">
@@ -34391,7 +34391,7 @@
             </p:txBody>
           </p:sp>
         </mc:Choice>
-        <mc:Fallback>
+        <mc:Fallback xmlns="">
           <p:sp>
             <p:nvSpPr>
               <p:cNvPr id="371" name="Google Shape;371;p31">
@@ -36107,8 +36107,8 @@
           </a:p>
         </p:txBody>
       </p:sp>
-      <mc:AlternateContent xmlns:mc="http://schemas.openxmlformats.org/markup-compatibility/2006">
-        <mc:Choice xmlns:a14="http://schemas.microsoft.com/office/drawing/2010/main" Requires="a14">
+      <mc:AlternateContent xmlns:mc="http://schemas.openxmlformats.org/markup-compatibility/2006" xmlns:a14="http://schemas.microsoft.com/office/drawing/2010/main">
+        <mc:Choice Requires="a14">
           <p:sp>
             <p:nvSpPr>
               <p:cNvPr id="371" name="Google Shape;371;p31">
@@ -36380,7 +36380,7 @@
             </p:txBody>
           </p:sp>
         </mc:Choice>
-        <mc:Fallback>
+        <mc:Fallback xmlns="">
           <p:sp>
             <p:nvSpPr>
               <p:cNvPr id="371" name="Google Shape;371;p31">
@@ -37189,7 +37189,13 @@
                             <a:rPr lang="en-US" sz="1800" b="0" i="1" smtClean="0">
                               <a:latin typeface="Cambria Math" panose="02040503050406030204" pitchFamily="18" charset="0"/>
                             </a:rPr>
-                            <m:t>−1)</m:t>
+                            <m:t>+</m:t>
+                          </m:r>
+                          <m:r>
+                            <a:rPr lang="en-US" sz="1800" b="0" i="1" smtClean="0">
+                              <a:latin typeface="Cambria Math" panose="02040503050406030204" pitchFamily="18" charset="0"/>
+                            </a:rPr>
+                            <m:t>1)</m:t>
                           </m:r>
                         </m:num>
                         <m:den>
@@ -37226,7 +37232,13 @@
                             <a:rPr lang="en-US" sz="1800" b="0" i="1" smtClean="0">
                               <a:latin typeface="Cambria Math" panose="02040503050406030204" pitchFamily="18" charset="0"/>
                             </a:rPr>
-                            <m:t>−1</m:t>
+                            <m:t>+</m:t>
+                          </m:r>
+                          <m:r>
+                            <a:rPr lang="en-US" sz="1800" b="0" i="1" smtClean="0">
+                              <a:latin typeface="Cambria Math" panose="02040503050406030204" pitchFamily="18" charset="0"/>
+                            </a:rPr>
+                            <m:t>1</m:t>
                           </m:r>
                         </m:num>
                         <m:den>
@@ -37751,8 +37763,8 @@
           </a:ln>
         </p:spPr>
       </p:pic>
-      <mc:AlternateContent xmlns:mc="http://schemas.openxmlformats.org/markup-compatibility/2006">
-        <mc:Choice xmlns:a14="http://schemas.microsoft.com/office/drawing/2010/main" Requires="a14">
+      <mc:AlternateContent xmlns:mc="http://schemas.openxmlformats.org/markup-compatibility/2006" xmlns:a14="http://schemas.microsoft.com/office/drawing/2010/main">
+        <mc:Choice Requires="a14">
           <p:sp>
             <p:nvSpPr>
               <p:cNvPr id="4" name="TextBox 3">
@@ -38056,7 +38068,7 @@
             </p:txBody>
           </p:sp>
         </mc:Choice>
-        <mc:Fallback>
+        <mc:Fallback xmlns="">
           <p:sp>
             <p:nvSpPr>
               <p:cNvPr id="4" name="TextBox 3">
@@ -39046,8 +39058,8 @@
           </a:ln>
         </p:spPr>
       </p:pic>
-      <mc:AlternateContent xmlns:mc="http://schemas.openxmlformats.org/markup-compatibility/2006">
-        <mc:Choice xmlns:a14="http://schemas.microsoft.com/office/drawing/2010/main" Requires="a14">
+      <mc:AlternateContent xmlns:mc="http://schemas.openxmlformats.org/markup-compatibility/2006" xmlns:a14="http://schemas.microsoft.com/office/drawing/2010/main">
+        <mc:Choice Requires="a14">
           <p:sp>
             <p:nvSpPr>
               <p:cNvPr id="10" name="TextBox 9">
@@ -39121,7 +39133,7 @@
             </p:txBody>
           </p:sp>
         </mc:Choice>
-        <mc:Fallback>
+        <mc:Fallback xmlns="">
           <p:sp>
             <p:nvSpPr>
               <p:cNvPr id="10" name="TextBox 9">
@@ -39641,7 +39653,13 @@
               <p:cNvGraphicFramePr>
                 <a:graphicFrameLocks/>
               </p:cNvGraphicFramePr>
-              <p:nvPr/>
+              <p:nvPr>
+                <p:extLst>
+                  <p:ext uri="{D42A27DB-BD31-4B8C-83A1-F6EECF244321}">
+                    <p14:modId xmlns:p14="http://schemas.microsoft.com/office/powerpoint/2010/main" val="4223190698"/>
+                  </p:ext>
+                </p:extLst>
+              </p:nvPr>
             </p:nvGraphicFramePr>
             <p:xfrm>
               <a:off x="4662490" y="2087737"/>
@@ -39866,7 +39884,44 @@
                                   <a:rPr lang="en-US" b="0" smtClean="0">
                                     <a:latin typeface="Cambria Math" panose="02040503050406030204" pitchFamily="18" charset="0"/>
                                   </a:rPr>
-                                  <m:t>.1</m:t>
+                                  <m:t>.</m:t>
+                                </m:r>
+                                <m:r>
+                                  <a:rPr lang="en-US" b="0" smtClean="0">
+                                    <a:latin typeface="Cambria Math" panose="02040503050406030204" pitchFamily="18" charset="0"/>
+                                  </a:rPr>
+                                  <m:t>(</m:t>
+                                </m:r>
+                                <m:f>
+                                  <m:fPr>
+                                    <m:ctrlPr>
+                                      <a:rPr lang="en-US" b="0" i="1" smtClean="0">
+                                        <a:latin typeface="Cambria Math" panose="02040503050406030204" pitchFamily="18" charset="0"/>
+                                      </a:rPr>
+                                    </m:ctrlPr>
+                                  </m:fPr>
+                                  <m:num>
+                                    <m:r>
+                                      <a:rPr lang="en-US" b="0" smtClean="0">
+                                        <a:latin typeface="Cambria Math" panose="02040503050406030204" pitchFamily="18" charset="0"/>
+                                      </a:rPr>
+                                      <m:t>𝑛</m:t>
+                                    </m:r>
+                                  </m:num>
+                                  <m:den>
+                                    <m:r>
+                                      <a:rPr lang="en-US" b="0" smtClean="0">
+                                        <a:latin typeface="Cambria Math" panose="02040503050406030204" pitchFamily="18" charset="0"/>
+                                      </a:rPr>
+                                      <m:t>5</m:t>
+                                    </m:r>
+                                  </m:den>
+                                </m:f>
+                                <m:r>
+                                  <a:rPr lang="en-US" b="0" smtClean="0">
+                                    <a:latin typeface="Cambria Math" panose="02040503050406030204" pitchFamily="18" charset="0"/>
+                                  </a:rPr>
+                                  <m:t>+1)</m:t>
                                 </m:r>
                               </m:oMath>
                             </m:oMathPara>
@@ -40020,7 +40075,44 @@
                                   <a:rPr lang="en-US" b="0" smtClean="0">
                                     <a:latin typeface="Cambria Math" panose="02040503050406030204" pitchFamily="18" charset="0"/>
                                   </a:rPr>
-                                  <m:t>.1</m:t>
+                                  <m:t>.</m:t>
+                                </m:r>
+                                <m:r>
+                                  <a:rPr lang="en-US" b="0" smtClean="0">
+                                    <a:latin typeface="Cambria Math" panose="02040503050406030204" pitchFamily="18" charset="0"/>
+                                  </a:rPr>
+                                  <m:t>(</m:t>
+                                </m:r>
+                                <m:f>
+                                  <m:fPr>
+                                    <m:ctrlPr>
+                                      <a:rPr lang="en-US" b="0" i="1" smtClean="0">
+                                        <a:latin typeface="Cambria Math" panose="02040503050406030204" pitchFamily="18" charset="0"/>
+                                      </a:rPr>
+                                    </m:ctrlPr>
+                                  </m:fPr>
+                                  <m:num>
+                                    <m:r>
+                                      <a:rPr lang="en-US" b="0" smtClean="0">
+                                        <a:latin typeface="Cambria Math" panose="02040503050406030204" pitchFamily="18" charset="0"/>
+                                      </a:rPr>
+                                      <m:t>𝑛</m:t>
+                                    </m:r>
+                                  </m:num>
+                                  <m:den>
+                                    <m:r>
+                                      <a:rPr lang="en-US" b="0" smtClean="0">
+                                        <a:latin typeface="Cambria Math" panose="02040503050406030204" pitchFamily="18" charset="0"/>
+                                      </a:rPr>
+                                      <m:t>5</m:t>
+                                    </m:r>
+                                  </m:den>
+                                </m:f>
+                                <m:r>
+                                  <a:rPr lang="en-US" b="0" smtClean="0">
+                                    <a:latin typeface="Cambria Math" panose="02040503050406030204" pitchFamily="18" charset="0"/>
+                                  </a:rPr>
+                                  <m:t>)</m:t>
                                 </m:r>
                               </m:oMath>
                             </m:oMathPara>
@@ -40147,7 +40239,44 @@
                                   <a:rPr lang="en-US" b="0" smtClean="0">
                                     <a:latin typeface="Cambria Math" panose="02040503050406030204" pitchFamily="18" charset="0"/>
                                   </a:rPr>
-                                  <m:t>.1</m:t>
+                                  <m:t>.</m:t>
+                                </m:r>
+                                <m:r>
+                                  <a:rPr lang="en-US" b="0" smtClean="0">
+                                    <a:latin typeface="Cambria Math" panose="02040503050406030204" pitchFamily="18" charset="0"/>
+                                  </a:rPr>
+                                  <m:t>(</m:t>
+                                </m:r>
+                                <m:f>
+                                  <m:fPr>
+                                    <m:ctrlPr>
+                                      <a:rPr lang="en-US" b="0" i="1" smtClean="0">
+                                        <a:latin typeface="Cambria Math" panose="02040503050406030204" pitchFamily="18" charset="0"/>
+                                      </a:rPr>
+                                    </m:ctrlPr>
+                                  </m:fPr>
+                                  <m:num>
+                                    <m:r>
+                                      <a:rPr lang="en-US" b="0" smtClean="0">
+                                        <a:latin typeface="Cambria Math" panose="02040503050406030204" pitchFamily="18" charset="0"/>
+                                      </a:rPr>
+                                      <m:t>𝑛</m:t>
+                                    </m:r>
+                                  </m:num>
+                                  <m:den>
+                                    <m:r>
+                                      <a:rPr lang="en-US" b="0" smtClean="0">
+                                        <a:latin typeface="Cambria Math" panose="02040503050406030204" pitchFamily="18" charset="0"/>
+                                      </a:rPr>
+                                      <m:t>5</m:t>
+                                    </m:r>
+                                  </m:den>
+                                </m:f>
+                                <m:r>
+                                  <a:rPr lang="en-US" b="0" smtClean="0">
+                                    <a:latin typeface="Cambria Math" panose="02040503050406030204" pitchFamily="18" charset="0"/>
+                                  </a:rPr>
+                                  <m:t>)</m:t>
                                 </m:r>
                               </m:oMath>
                             </m:oMathPara>
@@ -40707,7 +40836,22 @@
                                   <a:rPr lang="en-US" dirty="0" smtClean="0">
                                     <a:latin typeface="Cambria Math" panose="02040503050406030204" pitchFamily="18" charset="0"/>
                                   </a:rPr>
-                                  <m:t>(1)</m:t>
+                                  <m:t>(</m:t>
+                                </m:r>
+                                <m:r>
+                                  <m:rPr>
+                                    <m:sty m:val="p"/>
+                                  </m:rPr>
+                                  <a:rPr lang="en-US" b="0" i="0" dirty="0" smtClean="0">
+                                    <a:latin typeface="Cambria Math" panose="02040503050406030204" pitchFamily="18" charset="0"/>
+                                  </a:rPr>
+                                  <m:t>n</m:t>
+                                </m:r>
+                                <m:r>
+                                  <a:rPr lang="en-US" dirty="0" smtClean="0">
+                                    <a:latin typeface="Cambria Math" panose="02040503050406030204" pitchFamily="18" charset="0"/>
+                                  </a:rPr>
+                                  <m:t>)</m:t>
                                 </m:r>
                               </m:oMath>
                             </m:oMathPara>
@@ -40741,7 +40885,13 @@
               <p:cNvGraphicFramePr>
                 <a:graphicFrameLocks/>
               </p:cNvGraphicFramePr>
-              <p:nvPr/>
+              <p:nvPr>
+                <p:extLst>
+                  <p:ext uri="{D42A27DB-BD31-4B8C-83A1-F6EECF244321}">
+                    <p14:modId xmlns:p14="http://schemas.microsoft.com/office/powerpoint/2010/main" val="4223190698"/>
+                  </p:ext>
+                </p:extLst>
+              </p:nvPr>
             </p:nvGraphicFramePr>
             <p:xfrm>
               <a:off x="4662490" y="2087737"/>
@@ -42730,10 +42880,10 @@
       </p:sp>
       <p:pic>
         <p:nvPicPr>
-          <p:cNvPr id="9" name="Picture 8">
+          <p:cNvPr id="3" name="Content Placeholder 9">
             <a:extLst>
               <a:ext uri="{FF2B5EF4-FFF2-40B4-BE49-F238E27FC236}">
-                <a16:creationId xmlns:a16="http://schemas.microsoft.com/office/drawing/2014/main" id="{9BA330A5-DEF3-F45D-F869-1104234F0EB3}"/>
+                <a16:creationId xmlns:a16="http://schemas.microsoft.com/office/drawing/2014/main" id="{00BC4C45-CCCF-0C69-266B-8ED61F285840}"/>
               </a:ext>
             </a:extLst>
           </p:cNvPr>
@@ -42750,14 +42900,679 @@
         </p:blipFill>
         <p:spPr>
           <a:xfrm>
-            <a:off x="0" y="1612392"/>
-            <a:ext cx="9144000" cy="3633216"/>
+            <a:off x="581025" y="3464809"/>
+            <a:ext cx="3900488" cy="1158694"/>
           </a:xfrm>
           <a:prstGeom prst="rect">
             <a:avLst/>
           </a:prstGeom>
+          <a:noFill/>
+          <a:ln>
+            <a:noFill/>
+          </a:ln>
         </p:spPr>
       </p:pic>
+      <mc:AlternateContent xmlns:mc="http://schemas.openxmlformats.org/markup-compatibility/2006">
+        <mc:Choice xmlns:a14="http://schemas.microsoft.com/office/drawing/2010/main" Requires="a14">
+          <p:sp>
+            <p:nvSpPr>
+              <p:cNvPr id="6" name="TextBox 5">
+                <a:extLst>
+                  <a:ext uri="{FF2B5EF4-FFF2-40B4-BE49-F238E27FC236}">
+                    <a16:creationId xmlns:a16="http://schemas.microsoft.com/office/drawing/2014/main" id="{BD9BAC24-91E4-EEED-F4A4-C4AF930E2DB6}"/>
+                  </a:ext>
+                </a:extLst>
+              </p:cNvPr>
+              <p:cNvSpPr txBox="1"/>
+              <p:nvPr/>
+            </p:nvSpPr>
+            <p:spPr>
+              <a:xfrm>
+                <a:off x="4481513" y="3405891"/>
+                <a:ext cx="4552759" cy="882293"/>
+              </a:xfrm>
+              <a:prstGeom prst="rect">
+                <a:avLst/>
+              </a:prstGeom>
+              <a:noFill/>
+            </p:spPr>
+            <p:txBody>
+              <a:bodyPr wrap="square" rtlCol="0">
+                <a:spAutoFit/>
+              </a:bodyPr>
+              <a:lstStyle/>
+              <a:p>
+                <a:pPr marL="914400" lvl="1" indent="-325755">
+                  <a:spcBef>
+                    <a:spcPts val="360"/>
+                  </a:spcBef>
+                  <a:buClr>
+                    <a:srgbClr val="CC0000"/>
+                  </a:buClr>
+                  <a:buSzPts val="1530"/>
+                  <a:buFont typeface="Times New Roman"/>
+                  <a:buChar char="■"/>
+                  <a:defRPr/>
+                </a:pPr>
+                <a:r>
+                  <a:rPr kumimoji="0" lang="en-US" sz="2400" b="0" i="0" u="none" strike="noStrike" kern="0" cap="none" spc="0" normalizeH="0" baseline="0" noProof="0" dirty="0">
+                    <a:ln>
+                      <a:noFill/>
+                    </a:ln>
+                    <a:solidFill>
+                      <a:srgbClr val="000000"/>
+                    </a:solidFill>
+                    <a:effectLst/>
+                    <a:uLnTx/>
+                    <a:uFillTx/>
+                    <a:latin typeface="Times New Roman"/>
+                    <a:cs typeface="Times New Roman"/>
+                    <a:sym typeface="Times New Roman"/>
+                  </a:rPr>
+                  <a:t>Best case:</a:t>
+                </a:r>
+                <a14:m>
+                  <m:oMath xmlns:m="http://schemas.openxmlformats.org/officeDocument/2006/math">
+                    <m:r>
+                      <a:rPr lang="en-US" sz="2400" i="1">
+                        <a:latin typeface="Cambria Math" panose="02040503050406030204" pitchFamily="18" charset="0"/>
+                        <a:sym typeface="Times New Roman"/>
+                      </a:rPr>
+                      <m:t> </m:t>
+                    </m:r>
+                    <m:r>
+                      <a:rPr lang="el-GR" sz="2400" i="1" smtClean="0">
+                        <a:latin typeface="Cambria Math" panose="02040503050406030204" pitchFamily="18" charset="0"/>
+                        <a:sym typeface="Times New Roman"/>
+                      </a:rPr>
+                      <m:t>Ω</m:t>
+                    </m:r>
+                    <m:r>
+                      <a:rPr lang="en-US" sz="2400" b="0" i="1" smtClean="0">
+                        <a:latin typeface="Cambria Math" panose="02040503050406030204" pitchFamily="18" charset="0"/>
+                        <a:sym typeface="Times New Roman"/>
+                      </a:rPr>
+                      <m:t>(</m:t>
+                    </m:r>
+                    <m:r>
+                      <a:rPr lang="en-US" sz="2400" b="0" i="1" smtClean="0">
+                        <a:latin typeface="Cambria Math" panose="02040503050406030204" pitchFamily="18" charset="0"/>
+                        <a:sym typeface="Times New Roman"/>
+                      </a:rPr>
+                      <m:t>𝑛</m:t>
+                    </m:r>
+                    <m:r>
+                      <a:rPr lang="en-US" sz="2400" b="0" i="1" smtClean="0">
+                        <a:latin typeface="Cambria Math" panose="02040503050406030204" pitchFamily="18" charset="0"/>
+                        <a:sym typeface="Times New Roman"/>
+                      </a:rPr>
+                      <m:t>)</m:t>
+                    </m:r>
+                  </m:oMath>
+                </a14:m>
+                <a:endParaRPr kumimoji="0" lang="en-US" sz="2400" b="0" i="0" u="none" strike="noStrike" kern="0" cap="none" spc="0" normalizeH="0" baseline="0" noProof="0" dirty="0">
+                  <a:ln>
+                    <a:noFill/>
+                  </a:ln>
+                  <a:solidFill>
+                    <a:srgbClr val="000000"/>
+                  </a:solidFill>
+                  <a:effectLst/>
+                  <a:uLnTx/>
+                  <a:uFillTx/>
+                  <a:latin typeface="Times New Roman"/>
+                  <a:cs typeface="Times New Roman"/>
+                  <a:sym typeface="Times New Roman"/>
+                </a:endParaRPr>
+              </a:p>
+              <a:p>
+                <a:pPr marL="914400" marR="0" lvl="1" indent="-325755" algn="l" defTabSz="914400" rtl="0" eaLnBrk="1" fontAlgn="auto" latinLnBrk="0" hangingPunct="1">
+                  <a:lnSpc>
+                    <a:spcPct val="100000"/>
+                  </a:lnSpc>
+                  <a:spcBef>
+                    <a:spcPts val="360"/>
+                  </a:spcBef>
+                  <a:spcAft>
+                    <a:spcPts val="0"/>
+                  </a:spcAft>
+                  <a:buClr>
+                    <a:srgbClr val="CC0000"/>
+                  </a:buClr>
+                  <a:buSzPts val="1530"/>
+                  <a:buFont typeface="Times New Roman"/>
+                  <a:buChar char="■"/>
+                  <a:tabLst/>
+                  <a:defRPr/>
+                </a:pPr>
+                <a:r>
+                  <a:rPr kumimoji="0" lang="en-US" sz="2400" b="0" u="none" strike="noStrike" kern="0" cap="none" spc="0" normalizeH="0" baseline="0" noProof="0" dirty="0">
+                    <a:ln>
+                      <a:noFill/>
+                    </a:ln>
+                    <a:solidFill>
+                      <a:srgbClr val="000000"/>
+                    </a:solidFill>
+                    <a:effectLst/>
+                    <a:uLnTx/>
+                    <a:uFillTx/>
+                    <a:latin typeface="Times New Roman" panose="02020603050405020304" pitchFamily="18" charset="0"/>
+                    <a:cs typeface="Times New Roman" panose="02020603050405020304" pitchFamily="18" charset="0"/>
+                    <a:sym typeface="Times New Roman"/>
+                  </a:rPr>
+                  <a:t>Worst</a:t>
+                </a:r>
+                <a:r>
+                  <a:rPr kumimoji="0" lang="en-US" sz="2400" b="0" u="none" strike="noStrike" kern="0" cap="none" spc="0" normalizeH="0" noProof="0" dirty="0">
+                    <a:ln>
+                      <a:noFill/>
+                    </a:ln>
+                    <a:solidFill>
+                      <a:srgbClr val="000000"/>
+                    </a:solidFill>
+                    <a:effectLst/>
+                    <a:uLnTx/>
+                    <a:uFillTx/>
+                    <a:latin typeface="Times New Roman" panose="02020603050405020304" pitchFamily="18" charset="0"/>
+                    <a:cs typeface="Times New Roman" panose="02020603050405020304" pitchFamily="18" charset="0"/>
+                    <a:sym typeface="Times New Roman"/>
+                  </a:rPr>
+                  <a:t> </a:t>
+                </a:r>
+                <a:r>
+                  <a:rPr kumimoji="0" lang="en-US" sz="2400" b="0" u="none" strike="noStrike" kern="0" cap="none" spc="0" normalizeH="0" noProof="0" dirty="0" err="1">
+                    <a:ln>
+                      <a:noFill/>
+                    </a:ln>
+                    <a:solidFill>
+                      <a:srgbClr val="000000"/>
+                    </a:solidFill>
+                    <a:effectLst/>
+                    <a:uLnTx/>
+                    <a:uFillTx/>
+                    <a:latin typeface="Times New Roman" panose="02020603050405020304" pitchFamily="18" charset="0"/>
+                    <a:cs typeface="Times New Roman" panose="02020603050405020304" pitchFamily="18" charset="0"/>
+                    <a:sym typeface="Times New Roman"/>
+                  </a:rPr>
+                  <a:t>c</a:t>
+                </a:r>
+                <a:r>
+                  <a:rPr kumimoji="0" lang="en-US" sz="2400" b="0" u="none" strike="noStrike" kern="0" cap="none" spc="0" normalizeH="0" noProof="0" dirty="0">
+                    <a:ln>
+                      <a:noFill/>
+                    </a:ln>
+                    <a:solidFill>
+                      <a:srgbClr val="000000"/>
+                    </a:solidFill>
+                    <a:effectLst/>
+                    <a:uLnTx/>
+                    <a:uFillTx/>
+                    <a:latin typeface="Times New Roman" panose="02020603050405020304" pitchFamily="18" charset="0"/>
+                    <a:cs typeface="Times New Roman" panose="02020603050405020304" pitchFamily="18" charset="0"/>
+                    <a:sym typeface="Times New Roman"/>
+                  </a:rPr>
+                  <a:t>ase: </a:t>
+                </a:r>
+                <a14:m>
+                  <m:oMath xmlns:m="http://schemas.openxmlformats.org/officeDocument/2006/math">
+                    <m:r>
+                      <m:rPr>
+                        <m:sty m:val="p"/>
+                      </m:rPr>
+                      <a:rPr lang="en-US" sz="2400">
+                        <a:latin typeface="Cambria Math" panose="02040503050406030204" pitchFamily="18" charset="0"/>
+                        <a:sym typeface="Times New Roman"/>
+                      </a:rPr>
+                      <m:t>O</m:t>
+                    </m:r>
+                    <m:d>
+                      <m:dPr>
+                        <m:ctrlPr>
+                          <a:rPr kumimoji="0" lang="en-US" sz="2400" b="0" i="1" u="none" strike="noStrike" kern="0" cap="none" spc="0" normalizeH="0" baseline="0" noProof="0" smtClean="0">
+                            <a:ln>
+                              <a:noFill/>
+                            </a:ln>
+                            <a:solidFill>
+                              <a:srgbClr val="000000"/>
+                            </a:solidFill>
+                            <a:effectLst/>
+                            <a:uLnTx/>
+                            <a:uFillTx/>
+                            <a:latin typeface="Cambria Math" panose="02040503050406030204" pitchFamily="18" charset="0"/>
+                            <a:sym typeface="Times New Roman"/>
+                          </a:rPr>
+                        </m:ctrlPr>
+                      </m:dPr>
+                      <m:e>
+                        <m:r>
+                          <a:rPr kumimoji="0" lang="en-US" sz="2400" b="0" i="1" u="none" strike="noStrike" kern="0" cap="none" spc="0" normalizeH="0" baseline="0" noProof="0" smtClean="0">
+                            <a:ln>
+                              <a:noFill/>
+                            </a:ln>
+                            <a:solidFill>
+                              <a:srgbClr val="000000"/>
+                            </a:solidFill>
+                            <a:effectLst/>
+                            <a:uLnTx/>
+                            <a:uFillTx/>
+                            <a:latin typeface="Cambria Math" panose="02040503050406030204" pitchFamily="18" charset="0"/>
+                            <a:sym typeface="Times New Roman"/>
+                          </a:rPr>
+                          <m:t>𝑛</m:t>
+                        </m:r>
+                        <m:r>
+                          <a:rPr kumimoji="0" lang="en-US" sz="2400" b="0" i="1" u="none" strike="noStrike" kern="0" cap="none" spc="0" normalizeH="0" baseline="0" noProof="0" smtClean="0">
+                            <a:ln>
+                              <a:noFill/>
+                            </a:ln>
+                            <a:solidFill>
+                              <a:srgbClr val="000000"/>
+                            </a:solidFill>
+                            <a:effectLst/>
+                            <a:uLnTx/>
+                            <a:uFillTx/>
+                            <a:latin typeface="Cambria Math" panose="02040503050406030204" pitchFamily="18" charset="0"/>
+                            <a:sym typeface="Times New Roman"/>
+                          </a:rPr>
+                          <m:t> </m:t>
+                        </m:r>
+                        <m:sSub>
+                          <m:sSubPr>
+                            <m:ctrlPr>
+                              <a:rPr kumimoji="0" lang="en-US" sz="2400" b="0" i="1" u="none" strike="noStrike" kern="0" cap="none" spc="0" normalizeH="0" baseline="0" noProof="0" smtClean="0">
+                                <a:ln>
+                                  <a:noFill/>
+                                </a:ln>
+                                <a:solidFill>
+                                  <a:srgbClr val="000000"/>
+                                </a:solidFill>
+                                <a:effectLst/>
+                                <a:uLnTx/>
+                                <a:uFillTx/>
+                                <a:latin typeface="Cambria Math" panose="02040503050406030204" pitchFamily="18" charset="0"/>
+                                <a:sym typeface="Times New Roman"/>
+                              </a:rPr>
+                            </m:ctrlPr>
+                          </m:sSubPr>
+                          <m:e>
+                            <m:r>
+                              <a:rPr kumimoji="0" lang="en-US" sz="2400" b="0" i="1" u="none" strike="noStrike" kern="0" cap="none" spc="0" normalizeH="0" baseline="0" noProof="0" smtClean="0">
+                                <a:ln>
+                                  <a:noFill/>
+                                </a:ln>
+                                <a:solidFill>
+                                  <a:srgbClr val="000000"/>
+                                </a:solidFill>
+                                <a:effectLst/>
+                                <a:uLnTx/>
+                                <a:uFillTx/>
+                                <a:latin typeface="Cambria Math" panose="02040503050406030204" pitchFamily="18" charset="0"/>
+                                <a:sym typeface="Times New Roman"/>
+                              </a:rPr>
+                              <m:t>𝑙𝑜𝑔</m:t>
+                            </m:r>
+                          </m:e>
+                          <m:sub>
+                            <m:r>
+                              <a:rPr kumimoji="0" lang="en-US" sz="2400" b="0" i="1" u="none" strike="noStrike" kern="0" cap="none" spc="0" normalizeH="0" baseline="0" noProof="0" smtClean="0">
+                                <a:ln>
+                                  <a:noFill/>
+                                </a:ln>
+                                <a:solidFill>
+                                  <a:srgbClr val="000000"/>
+                                </a:solidFill>
+                                <a:effectLst/>
+                                <a:uLnTx/>
+                                <a:uFillTx/>
+                                <a:latin typeface="Cambria Math" panose="02040503050406030204" pitchFamily="18" charset="0"/>
+                                <a:sym typeface="Times New Roman"/>
+                              </a:rPr>
+                              <m:t>2</m:t>
+                            </m:r>
+                          </m:sub>
+                        </m:sSub>
+                        <m:r>
+                          <a:rPr kumimoji="0" lang="en-US" sz="2400" b="0" i="1" u="none" strike="noStrike" kern="0" cap="none" spc="0" normalizeH="0" baseline="0" noProof="0" smtClean="0">
+                            <a:ln>
+                              <a:noFill/>
+                            </a:ln>
+                            <a:solidFill>
+                              <a:srgbClr val="000000"/>
+                            </a:solidFill>
+                            <a:effectLst/>
+                            <a:uLnTx/>
+                            <a:uFillTx/>
+                            <a:latin typeface="Cambria Math" panose="02040503050406030204" pitchFamily="18" charset="0"/>
+                            <a:sym typeface="Times New Roman"/>
+                          </a:rPr>
+                          <m:t>𝑛</m:t>
+                        </m:r>
+                        <m:r>
+                          <a:rPr kumimoji="0" lang="en-US" sz="2400" b="0" i="1" u="none" strike="noStrike" kern="0" cap="none" spc="0" normalizeH="0" baseline="0" noProof="0" smtClean="0">
+                            <a:ln>
+                              <a:noFill/>
+                            </a:ln>
+                            <a:solidFill>
+                              <a:srgbClr val="000000"/>
+                            </a:solidFill>
+                            <a:effectLst/>
+                            <a:uLnTx/>
+                            <a:uFillTx/>
+                            <a:latin typeface="Cambria Math" panose="02040503050406030204" pitchFamily="18" charset="0"/>
+                            <a:sym typeface="Times New Roman"/>
+                          </a:rPr>
+                          <m:t> </m:t>
+                        </m:r>
+                      </m:e>
+                    </m:d>
+                  </m:oMath>
+                </a14:m>
+                <a:endParaRPr lang="en-GB" dirty="0">
+                  <a:latin typeface="Times New Roman" panose="02020603050405020304" pitchFamily="18" charset="0"/>
+                  <a:cs typeface="Times New Roman" panose="02020603050405020304" pitchFamily="18" charset="0"/>
+                </a:endParaRPr>
+              </a:p>
+            </p:txBody>
+          </p:sp>
+        </mc:Choice>
+        <mc:Fallback>
+          <p:sp>
+            <p:nvSpPr>
+              <p:cNvPr id="6" name="TextBox 5">
+                <a:extLst>
+                  <a:ext uri="{FF2B5EF4-FFF2-40B4-BE49-F238E27FC236}">
+                    <a16:creationId xmlns:a16="http://schemas.microsoft.com/office/drawing/2014/main" id="{BD9BAC24-91E4-EEED-F4A4-C4AF930E2DB6}"/>
+                  </a:ext>
+                </a:extLst>
+              </p:cNvPr>
+              <p:cNvSpPr txBox="1">
+                <a:spLocks noRot="1" noChangeAspect="1" noMove="1" noResize="1" noEditPoints="1" noAdjustHandles="1" noChangeArrowheads="1" noChangeShapeType="1" noTextEdit="1"/>
+              </p:cNvSpPr>
+              <p:nvPr/>
+            </p:nvSpPr>
+            <p:spPr>
+              <a:xfrm>
+                <a:off x="4481513" y="3405891"/>
+                <a:ext cx="4552759" cy="882293"/>
+              </a:xfrm>
+              <a:prstGeom prst="rect">
+                <a:avLst/>
+              </a:prstGeom>
+              <a:blipFill>
+                <a:blip r:embed="rId4"/>
+                <a:stretch>
+                  <a:fillRect t="-5556" b="-15972"/>
+                </a:stretch>
+              </a:blipFill>
+            </p:spPr>
+            <p:txBody>
+              <a:bodyPr/>
+              <a:lstStyle/>
+              <a:p>
+                <a:r>
+                  <a:rPr lang="en-GB">
+                    <a:noFill/>
+                  </a:rPr>
+                  <a:t> </a:t>
+                </a:r>
+              </a:p>
+            </p:txBody>
+          </p:sp>
+        </mc:Fallback>
+      </mc:AlternateContent>
+      <mc:AlternateContent xmlns:mc="http://schemas.openxmlformats.org/markup-compatibility/2006">
+        <mc:Choice xmlns:a14="http://schemas.microsoft.com/office/drawing/2010/main" Requires="a14">
+          <p:sp>
+            <p:nvSpPr>
+              <p:cNvPr id="10" name="TextBox 9">
+                <a:extLst>
+                  <a:ext uri="{FF2B5EF4-FFF2-40B4-BE49-F238E27FC236}">
+                    <a16:creationId xmlns:a16="http://schemas.microsoft.com/office/drawing/2014/main" id="{E26F749F-5E6C-8542-76AB-239A0121068D}"/>
+                  </a:ext>
+                </a:extLst>
+              </p:cNvPr>
+              <p:cNvSpPr txBox="1"/>
+              <p:nvPr/>
+            </p:nvSpPr>
+            <p:spPr>
+              <a:xfrm>
+                <a:off x="343919" y="4945950"/>
+                <a:ext cx="8456161" cy="369332"/>
+              </a:xfrm>
+              <a:prstGeom prst="rect">
+                <a:avLst/>
+              </a:prstGeom>
+              <a:noFill/>
+            </p:spPr>
+            <p:txBody>
+              <a:bodyPr wrap="none" rtlCol="0">
+                <a:spAutoFit/>
+              </a:bodyPr>
+              <a:lstStyle/>
+              <a:p>
+                <a:r>
+                  <a:rPr lang="en-US" sz="1800" dirty="0">
+                    <a:solidFill>
+                      <a:srgbClr val="FF0000"/>
+                    </a:solidFill>
+                  </a:rPr>
+                  <a:t>The running time of this algorithm therefore belongs to both </a:t>
+                </a:r>
+                <a14:m>
+                  <m:oMath xmlns:m="http://schemas.openxmlformats.org/officeDocument/2006/math">
+                    <m:r>
+                      <a:rPr lang="el-GR" sz="1800" i="1" smtClean="0">
+                        <a:solidFill>
+                          <a:srgbClr val="FF0000"/>
+                        </a:solidFill>
+                        <a:latin typeface="Cambria Math" panose="02040503050406030204" pitchFamily="18" charset="0"/>
+                        <a:sym typeface="Times New Roman"/>
+                      </a:rPr>
+                      <m:t>Ω</m:t>
+                    </m:r>
+                    <m:r>
+                      <a:rPr lang="en-US" sz="1800" b="0" i="1" smtClean="0">
+                        <a:solidFill>
+                          <a:srgbClr val="FF0000"/>
+                        </a:solidFill>
+                        <a:latin typeface="Cambria Math" panose="02040503050406030204" pitchFamily="18" charset="0"/>
+                        <a:sym typeface="Times New Roman"/>
+                      </a:rPr>
+                      <m:t>(</m:t>
+                    </m:r>
+                    <m:r>
+                      <a:rPr lang="en-US" sz="1800" b="0" i="1" smtClean="0">
+                        <a:solidFill>
+                          <a:srgbClr val="FF0000"/>
+                        </a:solidFill>
+                        <a:latin typeface="Cambria Math" panose="02040503050406030204" pitchFamily="18" charset="0"/>
+                        <a:sym typeface="Times New Roman"/>
+                      </a:rPr>
+                      <m:t>𝑛</m:t>
+                    </m:r>
+                    <m:r>
+                      <a:rPr lang="en-US" sz="1800" b="0" i="1" smtClean="0">
+                        <a:solidFill>
+                          <a:srgbClr val="FF0000"/>
+                        </a:solidFill>
+                        <a:latin typeface="Cambria Math" panose="02040503050406030204" pitchFamily="18" charset="0"/>
+                        <a:sym typeface="Times New Roman"/>
+                      </a:rPr>
+                      <m:t>)</m:t>
+                    </m:r>
+                  </m:oMath>
+                </a14:m>
+                <a:r>
+                  <a:rPr lang="en-GB" sz="1800" dirty="0">
+                    <a:solidFill>
+                      <a:srgbClr val="FF0000"/>
+                    </a:solidFill>
+                  </a:rPr>
+                  <a:t> and </a:t>
+                </a:r>
+                <a14:m>
+                  <m:oMath xmlns:m="http://schemas.openxmlformats.org/officeDocument/2006/math">
+                    <m:r>
+                      <m:rPr>
+                        <m:sty m:val="p"/>
+                      </m:rPr>
+                      <a:rPr lang="en-US" sz="1800">
+                        <a:solidFill>
+                          <a:srgbClr val="FF0000"/>
+                        </a:solidFill>
+                        <a:latin typeface="Cambria Math" panose="02040503050406030204" pitchFamily="18" charset="0"/>
+                        <a:sym typeface="Times New Roman"/>
+                      </a:rPr>
+                      <m:t>O</m:t>
+                    </m:r>
+                    <m:d>
+                      <m:dPr>
+                        <m:ctrlPr>
+                          <a:rPr lang="en-US" sz="1800" i="1">
+                            <a:solidFill>
+                              <a:srgbClr val="FF0000"/>
+                            </a:solidFill>
+                            <a:latin typeface="Cambria Math" panose="02040503050406030204" pitchFamily="18" charset="0"/>
+                            <a:sym typeface="Times New Roman"/>
+                          </a:rPr>
+                        </m:ctrlPr>
+                      </m:dPr>
+                      <m:e>
+                        <m:r>
+                          <a:rPr lang="en-US" sz="1800" i="1">
+                            <a:solidFill>
+                              <a:srgbClr val="FF0000"/>
+                            </a:solidFill>
+                            <a:latin typeface="Cambria Math" panose="02040503050406030204" pitchFamily="18" charset="0"/>
+                            <a:sym typeface="Times New Roman"/>
+                          </a:rPr>
+                          <m:t>𝑛</m:t>
+                        </m:r>
+                        <m:r>
+                          <a:rPr lang="en-US" sz="1800" i="1">
+                            <a:solidFill>
+                              <a:srgbClr val="FF0000"/>
+                            </a:solidFill>
+                            <a:latin typeface="Cambria Math" panose="02040503050406030204" pitchFamily="18" charset="0"/>
+                            <a:sym typeface="Times New Roman"/>
+                          </a:rPr>
+                          <m:t> </m:t>
+                        </m:r>
+                        <m:sSub>
+                          <m:sSubPr>
+                            <m:ctrlPr>
+                              <a:rPr lang="en-US" sz="1800" i="1">
+                                <a:solidFill>
+                                  <a:srgbClr val="FF0000"/>
+                                </a:solidFill>
+                                <a:latin typeface="Cambria Math" panose="02040503050406030204" pitchFamily="18" charset="0"/>
+                                <a:sym typeface="Times New Roman"/>
+                              </a:rPr>
+                            </m:ctrlPr>
+                          </m:sSubPr>
+                          <m:e>
+                            <m:r>
+                              <a:rPr lang="en-US" sz="1800" i="1">
+                                <a:solidFill>
+                                  <a:srgbClr val="FF0000"/>
+                                </a:solidFill>
+                                <a:latin typeface="Cambria Math" panose="02040503050406030204" pitchFamily="18" charset="0"/>
+                                <a:sym typeface="Times New Roman"/>
+                              </a:rPr>
+                              <m:t>𝑙𝑜𝑔</m:t>
+                            </m:r>
+                          </m:e>
+                          <m:sub>
+                            <m:r>
+                              <a:rPr lang="en-US" sz="1800" i="1">
+                                <a:solidFill>
+                                  <a:srgbClr val="FF0000"/>
+                                </a:solidFill>
+                                <a:latin typeface="Cambria Math" panose="02040503050406030204" pitchFamily="18" charset="0"/>
+                                <a:sym typeface="Times New Roman"/>
+                              </a:rPr>
+                              <m:t>2</m:t>
+                            </m:r>
+                          </m:sub>
+                        </m:sSub>
+                        <m:r>
+                          <a:rPr lang="en-US" sz="1800" i="1">
+                            <a:solidFill>
+                              <a:srgbClr val="FF0000"/>
+                            </a:solidFill>
+                            <a:latin typeface="Cambria Math" panose="02040503050406030204" pitchFamily="18" charset="0"/>
+                            <a:sym typeface="Times New Roman"/>
+                          </a:rPr>
+                          <m:t>𝑛</m:t>
+                        </m:r>
+                        <m:r>
+                          <a:rPr lang="en-US" sz="1800" i="1">
+                            <a:solidFill>
+                              <a:srgbClr val="FF0000"/>
+                            </a:solidFill>
+                            <a:latin typeface="Cambria Math" panose="02040503050406030204" pitchFamily="18" charset="0"/>
+                            <a:sym typeface="Times New Roman"/>
+                          </a:rPr>
+                          <m:t> </m:t>
+                        </m:r>
+                      </m:e>
+                    </m:d>
+                  </m:oMath>
+                </a14:m>
+                <a:endParaRPr lang="en-GB" sz="1800" dirty="0">
+                  <a:solidFill>
+                    <a:srgbClr val="FF0000"/>
+                  </a:solidFill>
+                </a:endParaRPr>
+              </a:p>
+            </p:txBody>
+          </p:sp>
+        </mc:Choice>
+        <mc:Fallback>
+          <p:sp>
+            <p:nvSpPr>
+              <p:cNvPr id="10" name="TextBox 9">
+                <a:extLst>
+                  <a:ext uri="{FF2B5EF4-FFF2-40B4-BE49-F238E27FC236}">
+                    <a16:creationId xmlns:a16="http://schemas.microsoft.com/office/drawing/2014/main" id="{E26F749F-5E6C-8542-76AB-239A0121068D}"/>
+                  </a:ext>
+                </a:extLst>
+              </p:cNvPr>
+              <p:cNvSpPr txBox="1">
+                <a:spLocks noRot="1" noChangeAspect="1" noMove="1" noResize="1" noEditPoints="1" noAdjustHandles="1" noChangeArrowheads="1" noChangeShapeType="1" noTextEdit="1"/>
+              </p:cNvSpPr>
+              <p:nvPr/>
+            </p:nvSpPr>
+            <p:spPr>
+              <a:xfrm>
+                <a:off x="343919" y="4945950"/>
+                <a:ext cx="8456161" cy="369332"/>
+              </a:xfrm>
+              <a:prstGeom prst="rect">
+                <a:avLst/>
+              </a:prstGeom>
+              <a:blipFill>
+                <a:blip r:embed="rId5"/>
+                <a:stretch>
+                  <a:fillRect l="-576" t="-8197" b="-24590"/>
+                </a:stretch>
+              </a:blipFill>
+            </p:spPr>
+            <p:txBody>
+              <a:bodyPr/>
+              <a:lstStyle/>
+              <a:p>
+                <a:r>
+                  <a:rPr lang="en-GB">
+                    <a:noFill/>
+                  </a:rPr>
+                  <a:t> </a:t>
+                </a:r>
+              </a:p>
+            </p:txBody>
+          </p:sp>
+        </mc:Fallback>
+      </mc:AlternateContent>
     </p:spTree>
     <p:extLst>
       <p:ext uri="{BB962C8B-B14F-4D97-AF65-F5344CB8AC3E}">
@@ -43726,8 +44541,8 @@
           </a:ln>
         </p:spPr>
       </p:pic>
-      <mc:AlternateContent xmlns:mc="http://schemas.openxmlformats.org/markup-compatibility/2006">
-        <mc:Choice xmlns:a14="http://schemas.microsoft.com/office/drawing/2010/main" Requires="a14">
+      <mc:AlternateContent xmlns:mc="http://schemas.openxmlformats.org/markup-compatibility/2006" xmlns:a14="http://schemas.microsoft.com/office/drawing/2010/main">
+        <mc:Choice Requires="a14">
           <p:sp>
             <p:nvSpPr>
               <p:cNvPr id="4" name="TextBox 3">
@@ -43974,7 +44789,7 @@
             </p:txBody>
           </p:sp>
         </mc:Choice>
-        <mc:Fallback>
+        <mc:Fallback xmlns="">
           <p:sp>
             <p:nvSpPr>
               <p:cNvPr id="4" name="TextBox 3">
@@ -44041,8 +44856,38 @@
         </p:blipFill>
         <p:spPr>
           <a:xfrm>
-            <a:off x="4934535" y="1609168"/>
+            <a:off x="4934535" y="1602818"/>
             <a:ext cx="4078577" cy="4054191"/>
+          </a:xfrm>
+          <a:prstGeom prst="rect">
+            <a:avLst/>
+          </a:prstGeom>
+        </p:spPr>
+      </p:pic>
+      <p:pic>
+        <p:nvPicPr>
+          <p:cNvPr id="6" name="Picture 5">
+            <a:extLst>
+              <a:ext uri="{FF2B5EF4-FFF2-40B4-BE49-F238E27FC236}">
+                <a16:creationId xmlns:a16="http://schemas.microsoft.com/office/drawing/2014/main" id="{C2DD5C8F-ABDA-F19F-3340-AF3C627B8BE8}"/>
+              </a:ext>
+            </a:extLst>
+          </p:cNvPr>
+          <p:cNvPicPr>
+            <a:picLocks noChangeAspect="1"/>
+          </p:cNvPicPr>
+          <p:nvPr/>
+        </p:nvPicPr>
+        <p:blipFill>
+          <a:blip r:embed="rId6"/>
+          <a:stretch>
+            <a:fillRect/>
+          </a:stretch>
+        </p:blipFill>
+        <p:spPr>
+          <a:xfrm>
+            <a:off x="7912031" y="5010128"/>
+            <a:ext cx="990738" cy="304843"/>
           </a:xfrm>
           <a:prstGeom prst="rect">
             <a:avLst/>
@@ -45470,6 +46315,96 @@
           <a:xfrm>
             <a:off x="0" y="1612392"/>
             <a:ext cx="9144000" cy="3633216"/>
+          </a:xfrm>
+          <a:prstGeom prst="rect">
+            <a:avLst/>
+          </a:prstGeom>
+        </p:spPr>
+      </p:pic>
+      <p:pic>
+        <p:nvPicPr>
+          <p:cNvPr id="4" name="Picture 3">
+            <a:extLst>
+              <a:ext uri="{FF2B5EF4-FFF2-40B4-BE49-F238E27FC236}">
+                <a16:creationId xmlns:a16="http://schemas.microsoft.com/office/drawing/2014/main" id="{C0D8BDA9-862C-DFE4-C9F7-09CD9B2B24DB}"/>
+              </a:ext>
+            </a:extLst>
+          </p:cNvPr>
+          <p:cNvPicPr>
+            <a:picLocks noChangeAspect="1"/>
+          </p:cNvPicPr>
+          <p:nvPr/>
+        </p:nvPicPr>
+        <p:blipFill>
+          <a:blip r:embed="rId4"/>
+          <a:stretch>
+            <a:fillRect/>
+          </a:stretch>
+        </p:blipFill>
+        <p:spPr>
+          <a:xfrm>
+            <a:off x="6013418" y="2932092"/>
+            <a:ext cx="457264" cy="295316"/>
+          </a:xfrm>
+          <a:prstGeom prst="rect">
+            <a:avLst/>
+          </a:prstGeom>
+        </p:spPr>
+      </p:pic>
+      <p:pic>
+        <p:nvPicPr>
+          <p:cNvPr id="7" name="Picture 6">
+            <a:extLst>
+              <a:ext uri="{FF2B5EF4-FFF2-40B4-BE49-F238E27FC236}">
+                <a16:creationId xmlns:a16="http://schemas.microsoft.com/office/drawing/2014/main" id="{88A06C73-6124-0BC6-0AC0-6A080653260A}"/>
+              </a:ext>
+            </a:extLst>
+          </p:cNvPr>
+          <p:cNvPicPr>
+            <a:picLocks noChangeAspect="1"/>
+          </p:cNvPicPr>
+          <p:nvPr/>
+        </p:nvPicPr>
+        <p:blipFill>
+          <a:blip r:embed="rId5"/>
+          <a:stretch>
+            <a:fillRect/>
+          </a:stretch>
+        </p:blipFill>
+        <p:spPr>
+          <a:xfrm>
+            <a:off x="6121336" y="2978136"/>
+            <a:ext cx="469218" cy="249272"/>
+          </a:xfrm>
+          <a:prstGeom prst="rect">
+            <a:avLst/>
+          </a:prstGeom>
+        </p:spPr>
+      </p:pic>
+      <p:pic>
+        <p:nvPicPr>
+          <p:cNvPr id="9" name="Picture 8">
+            <a:extLst>
+              <a:ext uri="{FF2B5EF4-FFF2-40B4-BE49-F238E27FC236}">
+                <a16:creationId xmlns:a16="http://schemas.microsoft.com/office/drawing/2014/main" id="{194416B9-326F-E367-222C-F13E3E7FF694}"/>
+              </a:ext>
+            </a:extLst>
+          </p:cNvPr>
+          <p:cNvPicPr>
+            <a:picLocks noChangeAspect="1"/>
+          </p:cNvPicPr>
+          <p:nvPr/>
+        </p:nvPicPr>
+        <p:blipFill>
+          <a:blip r:embed="rId6"/>
+          <a:stretch>
+            <a:fillRect/>
+          </a:stretch>
+        </p:blipFill>
+        <p:spPr>
+          <a:xfrm>
+            <a:off x="6483382" y="4276244"/>
+            <a:ext cx="548673" cy="270864"/>
           </a:xfrm>
           <a:prstGeom prst="rect">
             <a:avLst/>

--- a/BSCSE/[251] Spring 2025/DSA-II_CSE 2217/Slides/01-Analyzing Algorithms.pptx
+++ b/BSCSE/[251] Spring 2025/DSA-II_CSE 2217/Slides/01-Analyzing Algorithms.pptx
@@ -348,7 +348,7 @@
       </p15:notesGuideLst>
     </p:ext>
     <p:ext uri="GoogleSlidesCustomDataVersion2">
-      <go:slidesCustomData xmlns="" xmlns:mc="http://schemas.openxmlformats.org/markup-compatibility/2006" xmlns:mv="urn:schemas-microsoft-com:mac:vml" xmlns:c="http://schemas.openxmlformats.org/drawingml/2006/chart" xmlns:dgm="http://schemas.openxmlformats.org/drawingml/2006/diagram" xmlns:o="urn:schemas-microsoft-com:office:office" xmlns:v="urn:schemas-microsoft-com:vml" xmlns:pvml="urn:schemas-microsoft-com:office:powerpoint" xmlns:com="http://schemas.openxmlformats.org/drawingml/2006/compatibility" xmlns:p14="http://schemas.microsoft.com/office/powerpoint/2010/main" xmlns:p15="http://schemas.microsoft.com/office/powerpoint/2012/main" xmlns:ahyp="http://schemas.microsoft.com/office/drawing/2018/hyperlinkcolor" xmlns:go="http://customooxmlschemas.google.com/" r:id="rId64" roundtripDataSignature="AMtx7mgh8B77eTEF7+caI6hUllNe4TOYyg=="/>
+      <go:slidesCustomData xmlns:go="http://customooxmlschemas.google.com/" xmlns:ahyp="http://schemas.microsoft.com/office/drawing/2018/hyperlinkcolor" xmlns:p15="http://schemas.microsoft.com/office/powerpoint/2012/main" xmlns:p14="http://schemas.microsoft.com/office/powerpoint/2010/main" xmlns:com="http://schemas.openxmlformats.org/drawingml/2006/compatibility" xmlns:pvml="urn:schemas-microsoft-com:office:powerpoint" xmlns:v="urn:schemas-microsoft-com:vml" xmlns:o="urn:schemas-microsoft-com:office:office" xmlns:dgm="http://schemas.openxmlformats.org/drawingml/2006/diagram" xmlns:c="http://schemas.openxmlformats.org/drawingml/2006/chart" xmlns:mv="urn:schemas-microsoft-com:mac:vml" xmlns:mc="http://schemas.openxmlformats.org/markup-compatibility/2006" xmlns="" r:id="rId64" roundtripDataSignature="AMtx7mgh8B77eTEF7+caI6hUllNe4TOYyg=="/>
     </p:ext>
   </p:extLst>
 </p:presentation>
@@ -36973,8 +36973,8 @@
           </a:p>
         </p:txBody>
       </p:sp>
-      <mc:AlternateContent xmlns:mc="http://schemas.openxmlformats.org/markup-compatibility/2006">
-        <mc:Choice xmlns:a14="http://schemas.microsoft.com/office/drawing/2010/main" Requires="a14">
+      <mc:AlternateContent xmlns:mc="http://schemas.openxmlformats.org/markup-compatibility/2006" xmlns:a14="http://schemas.microsoft.com/office/drawing/2010/main">
+        <mc:Choice Requires="a14">
           <p:sp>
             <p:nvSpPr>
               <p:cNvPr id="371" name="Google Shape;371;p31">
@@ -37189,13 +37189,7 @@
                             <a:rPr lang="en-US" sz="1800" b="0" i="1" smtClean="0">
                               <a:latin typeface="Cambria Math" panose="02040503050406030204" pitchFamily="18" charset="0"/>
                             </a:rPr>
-                            <m:t>+</m:t>
-                          </m:r>
-                          <m:r>
-                            <a:rPr lang="en-US" sz="1800" b="0" i="1" smtClean="0">
-                              <a:latin typeface="Cambria Math" panose="02040503050406030204" pitchFamily="18" charset="0"/>
-                            </a:rPr>
-                            <m:t>1)</m:t>
+                            <m:t>+1)</m:t>
                           </m:r>
                         </m:num>
                         <m:den>
@@ -37232,13 +37226,7 @@
                             <a:rPr lang="en-US" sz="1800" b="0" i="1" smtClean="0">
                               <a:latin typeface="Cambria Math" panose="02040503050406030204" pitchFamily="18" charset="0"/>
                             </a:rPr>
-                            <m:t>+</m:t>
-                          </m:r>
-                          <m:r>
-                            <a:rPr lang="en-US" sz="1800" b="0" i="1" smtClean="0">
-                              <a:latin typeface="Cambria Math" panose="02040503050406030204" pitchFamily="18" charset="0"/>
-                            </a:rPr>
-                            <m:t>1</m:t>
+                            <m:t>+1</m:t>
                           </m:r>
                         </m:num>
                         <m:den>
@@ -37258,7 +37246,7 @@
             </p:txBody>
           </p:sp>
         </mc:Choice>
-        <mc:Fallback>
+        <mc:Fallback xmlns="">
           <p:sp>
             <p:nvSpPr>
               <p:cNvPr id="371" name="Google Shape;371;p31">
@@ -39656,7 +39644,7 @@
               <p:nvPr>
                 <p:extLst>
                   <p:ext uri="{D42A27DB-BD31-4B8C-83A1-F6EECF244321}">
-                    <p14:modId xmlns:p14="http://schemas.microsoft.com/office/powerpoint/2010/main" val="4223190698"/>
+                    <p14:modId xmlns:p14="http://schemas.microsoft.com/office/powerpoint/2010/main" val="4207469046"/>
                   </p:ext>
                 </p:extLst>
               </p:nvPr>
@@ -39887,41 +39875,10 @@
                                   <m:t>.</m:t>
                                 </m:r>
                                 <m:r>
-                                  <a:rPr lang="en-US" b="0" smtClean="0">
+                                  <a:rPr lang="en-US" b="0" i="0" smtClean="0">
                                     <a:latin typeface="Cambria Math" panose="02040503050406030204" pitchFamily="18" charset="0"/>
                                   </a:rPr>
-                                  <m:t>(</m:t>
-                                </m:r>
-                                <m:f>
-                                  <m:fPr>
-                                    <m:ctrlPr>
-                                      <a:rPr lang="en-US" b="0" i="1" smtClean="0">
-                                        <a:latin typeface="Cambria Math" panose="02040503050406030204" pitchFamily="18" charset="0"/>
-                                      </a:rPr>
-                                    </m:ctrlPr>
-                                  </m:fPr>
-                                  <m:num>
-                                    <m:r>
-                                      <a:rPr lang="en-US" b="0" smtClean="0">
-                                        <a:latin typeface="Cambria Math" panose="02040503050406030204" pitchFamily="18" charset="0"/>
-                                      </a:rPr>
-                                      <m:t>𝑛</m:t>
-                                    </m:r>
-                                  </m:num>
-                                  <m:den>
-                                    <m:r>
-                                      <a:rPr lang="en-US" b="0" smtClean="0">
-                                        <a:latin typeface="Cambria Math" panose="02040503050406030204" pitchFamily="18" charset="0"/>
-                                      </a:rPr>
-                                      <m:t>5</m:t>
-                                    </m:r>
-                                  </m:den>
-                                </m:f>
-                                <m:r>
-                                  <a:rPr lang="en-US" b="0" smtClean="0">
-                                    <a:latin typeface="Cambria Math" panose="02040503050406030204" pitchFamily="18" charset="0"/>
-                                  </a:rPr>
-                                  <m:t>+1)</m:t>
+                                  <m:t>1</m:t>
                                 </m:r>
                               </m:oMath>
                             </m:oMathPara>
@@ -40078,41 +40035,10 @@
                                   <m:t>.</m:t>
                                 </m:r>
                                 <m:r>
-                                  <a:rPr lang="en-US" b="0" smtClean="0">
+                                  <a:rPr lang="en-US" b="0" i="0" smtClean="0">
                                     <a:latin typeface="Cambria Math" panose="02040503050406030204" pitchFamily="18" charset="0"/>
                                   </a:rPr>
-                                  <m:t>(</m:t>
-                                </m:r>
-                                <m:f>
-                                  <m:fPr>
-                                    <m:ctrlPr>
-                                      <a:rPr lang="en-US" b="0" i="1" smtClean="0">
-                                        <a:latin typeface="Cambria Math" panose="02040503050406030204" pitchFamily="18" charset="0"/>
-                                      </a:rPr>
-                                    </m:ctrlPr>
-                                  </m:fPr>
-                                  <m:num>
-                                    <m:r>
-                                      <a:rPr lang="en-US" b="0" smtClean="0">
-                                        <a:latin typeface="Cambria Math" panose="02040503050406030204" pitchFamily="18" charset="0"/>
-                                      </a:rPr>
-                                      <m:t>𝑛</m:t>
-                                    </m:r>
-                                  </m:num>
-                                  <m:den>
-                                    <m:r>
-                                      <a:rPr lang="en-US" b="0" smtClean="0">
-                                        <a:latin typeface="Cambria Math" panose="02040503050406030204" pitchFamily="18" charset="0"/>
-                                      </a:rPr>
-                                      <m:t>5</m:t>
-                                    </m:r>
-                                  </m:den>
-                                </m:f>
-                                <m:r>
-                                  <a:rPr lang="en-US" b="0" smtClean="0">
-                                    <a:latin typeface="Cambria Math" panose="02040503050406030204" pitchFamily="18" charset="0"/>
-                                  </a:rPr>
-                                  <m:t>)</m:t>
+                                  <m:t>1</m:t>
                                 </m:r>
                               </m:oMath>
                             </m:oMathPara>
@@ -40242,41 +40168,10 @@
                                   <m:t>.</m:t>
                                 </m:r>
                                 <m:r>
-                                  <a:rPr lang="en-US" b="0" smtClean="0">
+                                  <a:rPr lang="en-US" b="0" i="0" smtClean="0">
                                     <a:latin typeface="Cambria Math" panose="02040503050406030204" pitchFamily="18" charset="0"/>
                                   </a:rPr>
-                                  <m:t>(</m:t>
-                                </m:r>
-                                <m:f>
-                                  <m:fPr>
-                                    <m:ctrlPr>
-                                      <a:rPr lang="en-US" b="0" i="1" smtClean="0">
-                                        <a:latin typeface="Cambria Math" panose="02040503050406030204" pitchFamily="18" charset="0"/>
-                                      </a:rPr>
-                                    </m:ctrlPr>
-                                  </m:fPr>
-                                  <m:num>
-                                    <m:r>
-                                      <a:rPr lang="en-US" b="0" smtClean="0">
-                                        <a:latin typeface="Cambria Math" panose="02040503050406030204" pitchFamily="18" charset="0"/>
-                                      </a:rPr>
-                                      <m:t>𝑛</m:t>
-                                    </m:r>
-                                  </m:num>
-                                  <m:den>
-                                    <m:r>
-                                      <a:rPr lang="en-US" b="0" smtClean="0">
-                                        <a:latin typeface="Cambria Math" panose="02040503050406030204" pitchFamily="18" charset="0"/>
-                                      </a:rPr>
-                                      <m:t>5</m:t>
-                                    </m:r>
-                                  </m:den>
-                                </m:f>
-                                <m:r>
-                                  <a:rPr lang="en-US" b="0" smtClean="0">
-                                    <a:latin typeface="Cambria Math" panose="02040503050406030204" pitchFamily="18" charset="0"/>
-                                  </a:rPr>
-                                  <m:t>)</m:t>
+                                  <m:t>1</m:t>
                                 </m:r>
                               </m:oMath>
                             </m:oMathPara>
@@ -40435,7 +40330,19 @@
                                   <a:rPr lang="en-US" b="0" smtClean="0">
                                     <a:latin typeface="Cambria Math" panose="02040503050406030204" pitchFamily="18" charset="0"/>
                                   </a:rPr>
-                                  <m:t>+1)</m:t>
+                                  <m:t>+</m:t>
+                                </m:r>
+                                <m:r>
+                                  <a:rPr lang="en-US" b="0" i="0" smtClean="0">
+                                    <a:latin typeface="Cambria Math" panose="02040503050406030204" pitchFamily="18" charset="0"/>
+                                  </a:rPr>
+                                  <m:t>2</m:t>
+                                </m:r>
+                                <m:r>
+                                  <a:rPr lang="en-US" b="0" smtClean="0">
+                                    <a:latin typeface="Cambria Math" panose="02040503050406030204" pitchFamily="18" charset="0"/>
+                                  </a:rPr>
+                                  <m:t>)</m:t>
                                 </m:r>
                               </m:oMath>
                             </m:oMathPara>
@@ -40606,6 +40513,12 @@
                                     </m:ctrlPr>
                                   </m:funcPr>
                                   <m:fName>
+                                    <m:r>
+                                      <a:rPr lang="en-US" b="0" i="1" smtClean="0">
+                                        <a:latin typeface="Cambria Math" panose="02040503050406030204" pitchFamily="18" charset="0"/>
+                                      </a:rPr>
+                                      <m:t>(</m:t>
+                                    </m:r>
                                     <m:sSub>
                                       <m:sSubPr>
                                         <m:ctrlPr>
@@ -40644,6 +40557,12 @@
                                     </m:r>
                                   </m:e>
                                 </m:func>
+                                <m:r>
+                                  <a:rPr lang="en-US" b="0" i="1" smtClean="0">
+                                    <a:latin typeface="Cambria Math" panose="02040503050406030204" pitchFamily="18" charset="0"/>
+                                  </a:rPr>
+                                  <m:t>+1)</m:t>
+                                </m:r>
                               </m:oMath>
                             </m:oMathPara>
                           </a14:m>
@@ -40836,22 +40755,7 @@
                                   <a:rPr lang="en-US" dirty="0" smtClean="0">
                                     <a:latin typeface="Cambria Math" panose="02040503050406030204" pitchFamily="18" charset="0"/>
                                   </a:rPr>
-                                  <m:t>(</m:t>
-                                </m:r>
-                                <m:r>
-                                  <m:rPr>
-                                    <m:sty m:val="p"/>
-                                  </m:rPr>
-                                  <a:rPr lang="en-US" b="0" i="0" dirty="0" smtClean="0">
-                                    <a:latin typeface="Cambria Math" panose="02040503050406030204" pitchFamily="18" charset="0"/>
-                                  </a:rPr>
-                                  <m:t>n</m:t>
-                                </m:r>
-                                <m:r>
-                                  <a:rPr lang="en-US" dirty="0" smtClean="0">
-                                    <a:latin typeface="Cambria Math" panose="02040503050406030204" pitchFamily="18" charset="0"/>
-                                  </a:rPr>
-                                  <m:t>)</m:t>
+                                  <m:t>(1)</m:t>
                                 </m:r>
                               </m:oMath>
                             </m:oMathPara>
@@ -40888,7 +40792,7 @@
               <p:nvPr>
                 <p:extLst>
                   <p:ext uri="{D42A27DB-BD31-4B8C-83A1-F6EECF244321}">
-                    <p14:modId xmlns:p14="http://schemas.microsoft.com/office/powerpoint/2010/main" val="4223190698"/>
+                    <p14:modId xmlns:p14="http://schemas.microsoft.com/office/powerpoint/2010/main" val="4207469046"/>
                   </p:ext>
                 </p:extLst>
               </p:nvPr>
@@ -42999,7 +42903,7 @@
                         <a:latin typeface="Cambria Math" panose="02040503050406030204" pitchFamily="18" charset="0"/>
                         <a:sym typeface="Times New Roman"/>
                       </a:rPr>
-                      <m:t>𝑛</m:t>
+                      <m:t>1</m:t>
                     </m:r>
                     <m:r>
                       <a:rPr lang="en-US" sz="2400" b="0" i="1" smtClean="0">
@@ -43388,7 +43292,7 @@
                         <a:latin typeface="Cambria Math" panose="02040503050406030204" pitchFamily="18" charset="0"/>
                         <a:sym typeface="Times New Roman"/>
                       </a:rPr>
-                      <m:t>𝑛</m:t>
+                      <m:t>1</m:t>
                     </m:r>
                     <m:r>
                       <a:rPr lang="en-US" sz="1800" b="0" i="1" smtClean="0">
@@ -46353,10 +46257,10 @@
       </p:pic>
       <p:pic>
         <p:nvPicPr>
-          <p:cNvPr id="7" name="Picture 6">
+          <p:cNvPr id="5" name="Picture 4">
             <a:extLst>
               <a:ext uri="{FF2B5EF4-FFF2-40B4-BE49-F238E27FC236}">
-                <a16:creationId xmlns:a16="http://schemas.microsoft.com/office/drawing/2014/main" id="{88A06C73-6124-0BC6-0AC0-6A080653260A}"/>
+                <a16:creationId xmlns:a16="http://schemas.microsoft.com/office/drawing/2014/main" id="{01701EB4-E060-59BE-F5C0-3EA8814B0EBF}"/>
               </a:ext>
             </a:extLst>
           </p:cNvPr>
@@ -46373,38 +46277,8 @@
         </p:blipFill>
         <p:spPr>
           <a:xfrm>
-            <a:off x="6121336" y="2978136"/>
-            <a:ext cx="469218" cy="249272"/>
-          </a:xfrm>
-          <a:prstGeom prst="rect">
-            <a:avLst/>
-          </a:prstGeom>
-        </p:spPr>
-      </p:pic>
-      <p:pic>
-        <p:nvPicPr>
-          <p:cNvPr id="9" name="Picture 8">
-            <a:extLst>
-              <a:ext uri="{FF2B5EF4-FFF2-40B4-BE49-F238E27FC236}">
-                <a16:creationId xmlns:a16="http://schemas.microsoft.com/office/drawing/2014/main" id="{194416B9-326F-E367-222C-F13E3E7FF694}"/>
-              </a:ext>
-            </a:extLst>
-          </p:cNvPr>
-          <p:cNvPicPr>
-            <a:picLocks noChangeAspect="1"/>
-          </p:cNvPicPr>
-          <p:nvPr/>
-        </p:nvPicPr>
-        <p:blipFill>
-          <a:blip r:embed="rId6"/>
-          <a:stretch>
-            <a:fillRect/>
-          </a:stretch>
-        </p:blipFill>
-        <p:spPr>
-          <a:xfrm>
-            <a:off x="6483382" y="4276244"/>
-            <a:ext cx="548673" cy="270864"/>
+            <a:off x="6063424" y="3006679"/>
+            <a:ext cx="487364" cy="257270"/>
           </a:xfrm>
           <a:prstGeom prst="rect">
             <a:avLst/>
